--- a/sheet what is data science.pptx
+++ b/sheet what is data science.pptx
@@ -3606,7 +3606,7 @@
         </p:nvSpPr>
         <p:spPr>
           <a:xfrm>
-            <a:off x="9635856" y="6625710"/>
+            <a:off x="9429826" y="6458162"/>
             <a:ext cx="2762174" cy="369332"/>
           </a:xfrm>
           <a:prstGeom prst="rect">
